--- a/slides/lec1.pptx
+++ b/slides/lec1.pptx
@@ -109,6 +109,11 @@
       </a:defRPr>
     </a:lvl9pPr>
   </p:defaultTextStyle>
+  <p:extLst>
+    <p:ext uri="{EFAFB233-063F-42B5-8137-9DF3F51BA10A}">
+      <p15:sldGuideLst xmlns:p15="http://schemas.microsoft.com/office/powerpoint/2012/main"/>
+    </p:ext>
+  </p:extLst>
 </p:presentation>
 </file>
 
@@ -6269,7 +6274,7 @@
                   <a:schemeClr val="bg2"/>
                 </a:solidFill>
               </a:rPr>
-              <a:t>…</a:t>
+              <a:t>Programming</a:t>
             </a:r>
           </a:p>
           <a:p>
@@ -6279,7 +6284,7 @@
                   <a:schemeClr val="bg2"/>
                 </a:solidFill>
               </a:rPr>
-              <a:t>…</a:t>
+              <a:t>Robotics</a:t>
             </a:r>
           </a:p>
           <a:p>
@@ -6289,7 +6294,7 @@
                   <a:schemeClr val="bg2"/>
                 </a:solidFill>
               </a:rPr>
-              <a:t>…</a:t>
+              <a:t>difference</a:t>
             </a:r>
           </a:p>
         </p:txBody>
@@ -7052,7 +7057,7 @@
               <a:t> for this lecture(but server is quite expensive). Maybe </a:t>
             </a:r>
             <a:r>
-              <a:rPr lang="en-US" dirty="0" err="1">
+              <a:rPr lang="en-US">
                 <a:solidFill>
                   <a:schemeClr val="bg2"/>
                 </a:solidFill>
